--- a/The State of OSS and .NET.pptx
+++ b/The State of OSS and .NET.pptx
@@ -3805,7 +3805,12 @@
             <p:ph idx="1"/>
           </p:nvPr>
         </p:nvSpPr>
-        <p:spPr/>
+        <p:spPr>
+          <a:xfrm>
+            <a:off x="432154" y="911225"/>
+            <a:ext cx="11430000" cy="4810845"/>
+          </a:xfrm>
+        </p:spPr>
         <p:txBody>
           <a:bodyPr anchor="ctr" anchorCtr="0"/>
           <a:lstStyle/>
@@ -3815,13 +3820,8 @@
             </a:pPr>
             <a:r>
               <a:rPr lang="en-US" sz="3800" dirty="0"/>
-              <a:t>https://github.com/</a:t>
-            </a:r>
-            <a:r>
-              <a:rPr lang="en-US" sz="3800"/>
-              <a:t>JasonBock/StateOfOSSInDotNet</a:t>
-            </a:r>
-            <a:endParaRPr lang="en-US" sz="3800" dirty="0"/>
+              <a:t>https://github.com/JasonBock/StateOfOSSInDotNet</a:t>
+            </a:r>
           </a:p>
           <a:p>
             <a:pPr marL="68580" indent="0" algn="ctr">
@@ -3835,7 +3835,7 @@
             </a:pPr>
             <a:r>
               <a:rPr lang="en-US" sz="3800" dirty="0"/>
-              <a:t>https://github.com/JasonBock/Presentations/blob/master/Tabs%20Vs.%20Spaces%20-%20The%20Greatest%20Battle%20of%20Our%20Time.pptx</a:t>
+              <a:t>https://github.com/JasonBock/Presentations/blob/master/The%20State%20of%20OSS%20and%20.NET.pptx</a:t>
             </a:r>
           </a:p>
         </p:txBody>
@@ -3909,25 +3909,19 @@
           <a:p>
             <a:r>
               <a:rPr lang="en-US" dirty="0"/>
-              <a:t>Overview</a:t>
+              <a:t>History</a:t>
             </a:r>
           </a:p>
           <a:p>
             <a:r>
               <a:rPr lang="en-US" dirty="0"/>
-              <a:t>Data</a:t>
+              <a:t>Demo</a:t>
             </a:r>
           </a:p>
           <a:p>
             <a:r>
               <a:rPr lang="en-US" dirty="0"/>
-              <a:t>Results</a:t>
-            </a:r>
-          </a:p>
-          <a:p>
-            <a:r>
-              <a:rPr lang="en-US" dirty="0"/>
-              <a:t>Conclusion</a:t>
+              <a:t>Future Trends</a:t>
             </a:r>
           </a:p>
           <a:p>
@@ -4171,7 +4165,7 @@
               <a:rPr lang="en-US" sz="2800" dirty="0">
                 <a:latin typeface="+mn-lt"/>
               </a:rPr>
-              <a:t>https://github.com/JasonBock/TabsVsSpaces</a:t>
+              <a:t>https://github.com/JasonBock/StateOfOSSInDotNet</a:t>
             </a:r>
           </a:p>
           <a:p>
@@ -4190,16 +4184,8 @@
               <a:rPr lang="en-US" sz="2800" dirty="0">
                 <a:latin typeface="+mn-lt"/>
               </a:rPr>
-              <a:t>https://github.com/JasonBock/Presentations/blob/master/Tabs%20Vs.%20Spaces%20-%20The%20Greatest%20Battle%20of%20Our%20Time.pptx</a:t>
-            </a:r>
-          </a:p>
-          <a:p>
-            <a:pPr marL="68580" indent="0" algn="ctr">
-              <a:buNone/>
-            </a:pPr>
-            <a:endParaRPr lang="en-US" sz="2800" dirty="0">
-              <a:latin typeface="+mn-lt"/>
-            </a:endParaRPr>
+              <a:t>https://github.com/JasonBock/Presentations/blob/master/The%20State%20of%20OSS%20and%20.NET.pptx</a:t>
+            </a:r>
           </a:p>
         </p:txBody>
       </p:sp>
